--- a/final_presentation/Team1/Projekt_Abschlusspräsentation_TP1.pptx
+++ b/final_presentation/Team1/Projekt_Abschlusspräsentation_TP1.pptx
@@ -6,7 +6,7 @@
     <p:sldMasterId id="2147483668" r:id="rId6"/>
   </p:sldMasterIdLst>
   <p:notesMasterIdLst>
-    <p:notesMasterId r:id="rId23"/>
+    <p:notesMasterId r:id="rId24"/>
   </p:notesMasterIdLst>
   <p:sldIdLst>
     <p:sldId id="268" r:id="rId7"/>
@@ -22,9 +22,10 @@
     <p:sldId id="284" r:id="rId17"/>
     <p:sldId id="285" r:id="rId18"/>
     <p:sldId id="287" r:id="rId19"/>
-    <p:sldId id="274" r:id="rId20"/>
-    <p:sldId id="275" r:id="rId21"/>
-    <p:sldId id="276" r:id="rId22"/>
+    <p:sldId id="288" r:id="rId20"/>
+    <p:sldId id="274" r:id="rId21"/>
+    <p:sldId id="275" r:id="rId22"/>
+    <p:sldId id="276" r:id="rId23"/>
   </p:sldIdLst>
   <p:sldSz cx="12192000" cy="6858000"/>
   <p:notesSz cx="6858000" cy="9144000"/>
@@ -13827,7 +13828,7 @@
             </a:pPr>
             <a:r>
               <a:rPr lang="de-DE" sz="2000" dirty="0"/>
-              <a:t>Szenarien, Fahrzeuge, Passanten frei wähl- und positionierbar</a:t>
+              <a:t>Karten, Fahrzeuge und Passanten frei wähl- bzw. positionierbar</a:t>
             </a:r>
           </a:p>
           <a:p>
@@ -13928,8 +13929,8 @@
         </p:nvSpPr>
         <p:spPr>
           <a:xfrm>
-            <a:off x="6738152" y="4783936"/>
-            <a:ext cx="3551228" cy="276999"/>
+            <a:off x="6658252" y="4764206"/>
+            <a:ext cx="5335082" cy="461665"/>
           </a:xfrm>
           <a:prstGeom prst="rect">
             <a:avLst/>
@@ -13944,7 +13945,7 @@
           <a:p>
             <a:r>
               <a:rPr lang="de-DE" sz="1200" dirty="0"/>
-              <a:t>Ausschnitt aus CARLA </a:t>
+              <a:t>Ausschnitt aus CARLA mit diversen erzeugten Fahrzeugen und Passanten [1]</a:t>
             </a:r>
           </a:p>
         </p:txBody>
@@ -14032,7 +14033,7 @@
           <a:p>
             <a:r>
               <a:rPr lang="de-DE" dirty="0"/>
-              <a:t>Car-</a:t>
+              <a:t>NCAP Car-</a:t>
             </a:r>
             <a:r>
               <a:rPr lang="de-DE" dirty="0" err="1"/>
@@ -14425,8 +14426,8 @@
         </p:nvSpPr>
         <p:spPr>
           <a:xfrm>
-            <a:off x="7233714" y="6214314"/>
-            <a:ext cx="3551228" cy="461665"/>
+            <a:off x="7233714" y="6174188"/>
+            <a:ext cx="3551228" cy="646331"/>
           </a:xfrm>
           <a:prstGeom prst="rect">
             <a:avLst/>
@@ -14441,8 +14442,121 @@
           <a:p>
             <a:r>
               <a:rPr lang="de-DE" sz="1200" dirty="0"/>
-              <a:t>NCAP CPNC-50 Testszenario (Zeitpunkt: Kind wird für das Ego-Fahrzeug sichtbar)</a:t>
-            </a:r>
+              <a:t>NCAP CPNC-50 Testszenario (Zeitpunkt: Kind wird für das Ego-Fahrzeug sichtbar) [</a:t>
+            </a:r>
+            <a:r>
+              <a:rPr lang="pt-BR" sz="1200" dirty="0"/>
+              <a:t>2]</a:t>
+            </a:r>
+          </a:p>
+          <a:p>
+            <a:endParaRPr lang="de-DE" sz="1200" dirty="0"/>
+          </a:p>
+        </p:txBody>
+      </p:sp>
+      <p:sp>
+        <p:nvSpPr>
+          <p:cNvPr id="6" name="Rectangle 1">
+            <a:extLst>
+              <a:ext uri="{FF2B5EF4-FFF2-40B4-BE49-F238E27FC236}">
+                <a16:creationId xmlns:a16="http://schemas.microsoft.com/office/drawing/2014/main" id="{BF3412D9-82E1-4685-8C2F-ABA51F4F1AC1}"/>
+              </a:ext>
+            </a:extLst>
+          </p:cNvPr>
+          <p:cNvSpPr>
+            <a:spLocks noChangeArrowheads="1"/>
+          </p:cNvSpPr>
+          <p:nvPr/>
+        </p:nvSpPr>
+        <p:spPr bwMode="auto">
+          <a:xfrm>
+            <a:off x="4614863" y="3863975"/>
+            <a:ext cx="12192000" cy="0"/>
+          </a:xfrm>
+          <a:prstGeom prst="rect">
+            <a:avLst/>
+          </a:prstGeom>
+          <a:noFill/>
+          <a:ln>
+            <a:noFill/>
+          </a:ln>
+          <a:effectLst/>
+          <a:extLst>
+            <a:ext uri="{909E8E84-426E-40DD-AFC4-6F175D3DCCD1}">
+              <a14:hiddenFill xmlns:a14="http://schemas.microsoft.com/office/drawing/2010/main">
+                <a:solidFill>
+                  <a:schemeClr val="accent1"/>
+                </a:solidFill>
+              </a14:hiddenFill>
+            </a:ext>
+            <a:ext uri="{91240B29-F687-4F45-9708-019B960494DF}">
+              <a14:hiddenLine xmlns:a14="http://schemas.microsoft.com/office/drawing/2010/main" w="9525">
+                <a:solidFill>
+                  <a:schemeClr val="tx1"/>
+                </a:solidFill>
+                <a:miter lim="800000"/>
+                <a:headEnd/>
+                <a:tailEnd/>
+              </a14:hiddenLine>
+            </a:ext>
+            <a:ext uri="{AF507438-7753-43E0-B8FC-AC1667EBCBE1}">
+              <a14:hiddenEffects xmlns:a14="http://schemas.microsoft.com/office/drawing/2010/main">
+                <a:effectLst>
+                  <a:outerShdw dist="35921" dir="2700000" algn="ctr" rotWithShape="0">
+                    <a:schemeClr val="bg2"/>
+                  </a:outerShdw>
+                </a:effectLst>
+              </a14:hiddenEffects>
+            </a:ext>
+          </a:extLst>
+        </p:spPr>
+        <p:txBody>
+          <a:bodyPr vert="horz" wrap="none" lIns="91440" tIns="45720" rIns="91440" bIns="45720" numCol="1" anchor="ctr" anchorCtr="0" compatLnSpc="1">
+            <a:prstTxWarp prst="textNoShape">
+              <a:avLst/>
+            </a:prstTxWarp>
+            <a:spAutoFit/>
+          </a:bodyPr>
+          <a:lstStyle/>
+          <a:p>
+            <a:pPr marL="0" marR="0" lvl="0" indent="0" algn="l" defTabSz="914400" rtl="0" eaLnBrk="0" fontAlgn="base" latinLnBrk="0" hangingPunct="0">
+              <a:lnSpc>
+                <a:spcPct val="100000"/>
+              </a:lnSpc>
+              <a:spcBef>
+                <a:spcPct val="0"/>
+              </a:spcBef>
+              <a:spcAft>
+                <a:spcPct val="0"/>
+              </a:spcAft>
+              <a:buClrTx/>
+              <a:buSzTx/>
+              <a:buFontTx/>
+              <a:buNone/>
+              <a:tabLst/>
+            </a:pPr>
+            <a:br>
+              <a:rPr kumimoji="0" lang="de-DE" altLang="de-DE" sz="1800" b="0" i="0" u="none" strike="noStrike" cap="none" normalizeH="0" baseline="0">
+                <a:ln>
+                  <a:noFill/>
+                </a:ln>
+                <a:solidFill>
+                  <a:schemeClr val="tx1"/>
+                </a:solidFill>
+                <a:effectLst/>
+                <a:latin typeface="Arial" panose="020B0604020202020204" pitchFamily="34" charset="0"/>
+              </a:rPr>
+            </a:br>
+            <a:endParaRPr kumimoji="0" lang="de-DE" altLang="de-DE" sz="1800" b="0" i="0" u="none" strike="noStrike" cap="none" normalizeH="0" baseline="0">
+              <a:ln>
+                <a:noFill/>
+              </a:ln>
+              <a:solidFill>
+                <a:schemeClr val="tx1"/>
+              </a:solidFill>
+              <a:effectLst/>
+              <a:latin typeface="Arial" panose="020B0604020202020204" pitchFamily="34" charset="0"/>
+            </a:endParaRPr>
           </a:p>
         </p:txBody>
       </p:sp>
@@ -14554,14 +14668,14 @@
           <p:nvPr>
             <p:extLst>
               <p:ext uri="{D42A27DB-BD31-4B8C-83A1-F6EECF244321}">
-                <p14:modId xmlns:p14="http://schemas.microsoft.com/office/powerpoint/2010/main" val="1344889984"/>
+                <p14:modId xmlns:p14="http://schemas.microsoft.com/office/powerpoint/2010/main" val="3529051961"/>
               </p:ext>
             </p:extLst>
           </p:nvPr>
         </p:nvGraphicFramePr>
         <p:xfrm>
           <a:off x="549591" y="1649856"/>
-          <a:ext cx="6615979" cy="3474720"/>
+          <a:ext cx="6615979" cy="3749040"/>
         </p:xfrm>
         <a:graphic>
           <a:graphicData uri="http://schemas.openxmlformats.org/drawingml/2006/table">
@@ -14600,7 +14714,15 @@
                     <a:p>
                       <a:r>
                         <a:rPr lang="de-DE" dirty="0"/>
-                        <a:t>Objects List Message</a:t>
+                        <a:t>Objects List m</a:t>
+                      </a:r>
+                      <a:r>
+                        <a:rPr lang="de-DE"/>
+                        <a:t>essage</a:t>
+                      </a:r>
+                      <a:r>
+                        <a:rPr lang="de-DE" dirty="0"/>
+                        <a:t> Vektor</a:t>
                       </a:r>
                     </a:p>
                   </a:txBody>
@@ -14776,7 +14898,7 @@
                     <a:p>
                       <a:r>
                         <a:rPr lang="de-DE" dirty="0"/>
-                        <a:t>Sichtbare und Verdeckte Kanten der Objekte</a:t>
+                        <a:t>Sichtbare und verdeckte Kanten der Objekte</a:t>
                       </a:r>
                     </a:p>
                   </a:txBody>
@@ -14854,7 +14976,7 @@
         <p:spPr>
           <a:xfrm>
             <a:off x="7332869" y="5735062"/>
-            <a:ext cx="3551228" cy="461665"/>
+            <a:ext cx="4309538" cy="461665"/>
           </a:xfrm>
           <a:prstGeom prst="rect">
             <a:avLst/>
@@ -14869,15 +14991,7 @@
           <a:p>
             <a:r>
               <a:rPr lang="de-DE" sz="1200" dirty="0"/>
-              <a:t>Koordinatensystem der Fahrzeuge und des Fußgängers (</a:t>
-            </a:r>
-            <a:r>
-              <a:rPr lang="de-DE" sz="1200" dirty="0" err="1"/>
-              <a:t>mitte</a:t>
-            </a:r>
-            <a:r>
-              <a:rPr lang="de-DE" sz="1200" dirty="0"/>
-              <a:t>); Ego-Fahrzeug (unten rechts)</a:t>
+              <a:t>Koordinatensystem der Fahrzeuge und des Fußgängers (Mitte) bzw. des Ego-Fahrzeugs (unten rechts) [3]</a:t>
             </a:r>
           </a:p>
         </p:txBody>
@@ -15020,7 +15134,7 @@
           <p:nvPr>
             <p:extLst>
               <p:ext uri="{D42A27DB-BD31-4B8C-83A1-F6EECF244321}">
-                <p14:modId xmlns:p14="http://schemas.microsoft.com/office/powerpoint/2010/main" val="3601529392"/>
+                <p14:modId xmlns:p14="http://schemas.microsoft.com/office/powerpoint/2010/main" val="1147028560"/>
               </p:ext>
             </p:extLst>
           </p:nvPr>
@@ -15124,12 +15238,8 @@
                     <a:lstStyle/>
                     <a:p>
                       <a:r>
-                        <a:rPr lang="de-DE" dirty="0" err="1"/>
-                        <a:t>FoV</a:t>
-                      </a:r>
-                      <a:r>
                         <a:rPr lang="de-DE" dirty="0"/>
-                        <a:t> der Kamera</a:t>
+                        <a:t>FOV der Kamera</a:t>
                       </a:r>
                     </a:p>
                   </a:txBody>
@@ -15142,7 +15252,7 @@
                     <a:p>
                       <a:r>
                         <a:rPr lang="de-DE" dirty="0"/>
-                        <a:t>Objekte im Sichtfeld der Kamera (200 m, Öffnungswinkel gesamt 60 °; Position Front-Mitte des Ego-Fahrzeugs)</a:t>
+                        <a:t>Objekte im Sichtfeld der Kamera (200 m, Öffnungswinkel gesamt 60 °, Position Front-Mitte des Ego-Fahrzeugs)</a:t>
                       </a:r>
                     </a:p>
                   </a:txBody>
@@ -15175,15 +15285,7 @@
                     <a:p>
                       <a:r>
                         <a:rPr lang="de-DE" dirty="0" err="1"/>
-                        <a:t>God</a:t>
-                      </a:r>
-                      <a:r>
-                        <a:rPr lang="de-DE" dirty="0"/>
-                        <a:t> </a:t>
-                      </a:r>
-                      <a:r>
-                        <a:rPr lang="de-DE" dirty="0" err="1"/>
-                        <a:t>mode</a:t>
+                        <a:t>Godmode</a:t>
                       </a:r>
                       <a:endParaRPr lang="de-DE" dirty="0"/>
                     </a:p>
@@ -15227,8 +15329,8 @@
         </p:nvSpPr>
         <p:spPr>
           <a:xfrm>
-            <a:off x="7332869" y="5735062"/>
-            <a:ext cx="3551228" cy="461665"/>
+            <a:off x="7332868" y="5735062"/>
+            <a:ext cx="4309539" cy="646331"/>
           </a:xfrm>
           <a:prstGeom prst="rect">
             <a:avLst/>
@@ -15243,16 +15345,11 @@
           <a:p>
             <a:r>
               <a:rPr lang="de-DE" sz="1200" dirty="0"/>
-              <a:t>Koordinatensystem der Fahrzeuge und des Fußgängers (</a:t>
-            </a:r>
-            <a:r>
-              <a:rPr lang="de-DE" sz="1200" dirty="0" err="1"/>
-              <a:t>mitte</a:t>
-            </a:r>
-            <a:r>
-              <a:rPr lang="de-DE" sz="1200" dirty="0"/>
-              <a:t>); Ego-Fahrzeug (unten rechts)</a:t>
-            </a:r>
+              <a:t>Koordinatensystem der Fahrzeuge und des Fußgängers (Mitte) bzw. des Ego-Fahrzeugs (unten rechts) [3]</a:t>
+            </a:r>
+          </a:p>
+          <a:p>
+            <a:endParaRPr lang="de-DE" sz="1200" dirty="0"/>
           </a:p>
         </p:txBody>
       </p:sp>
@@ -15464,24 +15561,6 @@
       </p:grpSpPr>
       <p:sp>
         <p:nvSpPr>
-          <p:cNvPr id="2" name="Bildplatzhalter 1">
-            <a:extLst>
-              <a:ext uri="{FF2B5EF4-FFF2-40B4-BE49-F238E27FC236}">
-                <a16:creationId xmlns:a16="http://schemas.microsoft.com/office/drawing/2014/main" id="{E67D118A-35FE-43FF-ABB1-A654AAA563BF}"/>
-              </a:ext>
-            </a:extLst>
-          </p:cNvPr>
-          <p:cNvSpPr>
-            <a:spLocks noGrp="1"/>
-          </p:cNvSpPr>
-          <p:nvPr>
-            <p:ph type="pic" sz="quarter" idx="16"/>
-          </p:nvPr>
-        </p:nvSpPr>
-        <p:spPr/>
-      </p:sp>
-      <p:sp>
-        <p:nvSpPr>
           <p:cNvPr id="3" name="Titel 2">
             <a:extLst>
               <a:ext uri="{FF2B5EF4-FFF2-40B4-BE49-F238E27FC236}">
@@ -15505,7 +15584,7 @@
           <a:p>
             <a:r>
               <a:rPr lang="de-DE" dirty="0"/>
-              <a:t>Teilprojekt 2: Objektdetektion mit Kamerasensor</a:t>
+              <a:t>Bildquellen</a:t>
             </a:r>
           </a:p>
         </p:txBody>
@@ -15528,9 +15607,88 @@
         </p:nvSpPr>
         <p:spPr/>
         <p:txBody>
-          <a:bodyPr/>
+          <a:bodyPr>
+            <a:normAutofit lnSpcReduction="10000"/>
+          </a:bodyPr>
           <a:lstStyle/>
           <a:p>
+            <a:endParaRPr lang="de-DE" dirty="0"/>
+          </a:p>
+          <a:p>
+            <a:endParaRPr lang="de-DE" dirty="0"/>
+          </a:p>
+        </p:txBody>
+      </p:sp>
+      <p:sp>
+        <p:nvSpPr>
+          <p:cNvPr id="6" name="Textfeld 5">
+            <a:extLst>
+              <a:ext uri="{FF2B5EF4-FFF2-40B4-BE49-F238E27FC236}">
+                <a16:creationId xmlns:a16="http://schemas.microsoft.com/office/drawing/2014/main" id="{48E3A90E-8F21-44DD-9B17-FC6547D9515B}"/>
+              </a:ext>
+            </a:extLst>
+          </p:cNvPr>
+          <p:cNvSpPr txBox="1"/>
+          <p:nvPr/>
+        </p:nvSpPr>
+        <p:spPr>
+          <a:xfrm>
+            <a:off x="674702" y="1087121"/>
+            <a:ext cx="10839635" cy="1477328"/>
+          </a:xfrm>
+          <a:prstGeom prst="rect">
+            <a:avLst/>
+          </a:prstGeom>
+          <a:noFill/>
+        </p:spPr>
+        <p:txBody>
+          <a:bodyPr wrap="square" rtlCol="0">
+            <a:spAutoFit/>
+          </a:bodyPr>
+          <a:lstStyle/>
+          <a:p>
+            <a:r>
+              <a:rPr lang="de-DE" dirty="0"/>
+              <a:t>[1] </a:t>
+            </a:r>
+            <a:r>
+              <a:rPr lang="de-DE" dirty="0">
+                <a:hlinkClick r:id="rId2"/>
+              </a:rPr>
+              <a:t>https://carla.readthedocs.io/en/0.9.8/adv_rendering_options/</a:t>
+            </a:r>
+            <a:endParaRPr lang="de-DE" dirty="0"/>
+          </a:p>
+          <a:p>
+            <a:r>
+              <a:rPr lang="de-DE" dirty="0"/>
+              <a:t>[2] </a:t>
+            </a:r>
+            <a:r>
+              <a:rPr lang="de-DE" dirty="0">
+                <a:hlinkClick r:id="rId3"/>
+              </a:rPr>
+              <a:t>https:</a:t>
+            </a:r>
+            <a:r>
+              <a:rPr lang="pt-BR" dirty="0">
+                <a:hlinkClick r:id="rId3"/>
+              </a:rPr>
+              <a:t>//www.iihs.org/media/f6a24355-fe4b-4d71-bd19</a:t>
+            </a:r>
+            <a:r>
+              <a:rPr lang="pt-BR" dirty="0"/>
+              <a:t> 0aab8b39aa7e/TfEBAA/Ratings/Protocols/current/test protocol pedestrian aeb.pdf</a:t>
+            </a:r>
+          </a:p>
+          <a:p>
+            <a:r>
+              <a:rPr lang="de-DE" dirty="0"/>
+              <a:t>[3] https://d-nb.info/113647157X/34 </a:t>
+            </a:r>
+            <a:br>
+              <a:rPr lang="de-DE" dirty="0"/>
+            </a:br>
             <a:endParaRPr lang="de-DE" dirty="0"/>
           </a:p>
         </p:txBody>
@@ -15538,7 +15696,7 @@
     </p:spTree>
     <p:extLst>
       <p:ext uri="{BB962C8B-B14F-4D97-AF65-F5344CB8AC3E}">
-        <p14:creationId xmlns:p14="http://schemas.microsoft.com/office/powerpoint/2010/main" val="2169332205"/>
+        <p14:creationId xmlns:p14="http://schemas.microsoft.com/office/powerpoint/2010/main" val="3008212672"/>
       </p:ext>
     </p:extLst>
   </p:cSld>
@@ -15608,7 +15766,7 @@
           <a:p>
             <a:r>
               <a:rPr lang="de-DE" dirty="0"/>
-              <a:t>Teilprojekt 3: Darstellung und Analyse der Daten</a:t>
+              <a:t>Teilprojekt 2: Objektdetektion mit Kamerasensor</a:t>
             </a:r>
           </a:p>
         </p:txBody>
@@ -15641,6 +15799,109 @@
     </p:spTree>
     <p:extLst>
       <p:ext uri="{BB962C8B-B14F-4D97-AF65-F5344CB8AC3E}">
+        <p14:creationId xmlns:p14="http://schemas.microsoft.com/office/powerpoint/2010/main" val="2169332205"/>
+      </p:ext>
+    </p:extLst>
+  </p:cSld>
+  <p:clrMapOvr>
+    <a:masterClrMapping/>
+  </p:clrMapOvr>
+</p:sld>
+</file>
+
+<file path=ppt/slides/slide16.xml><?xml version="1.0" encoding="utf-8"?>
+<p:sld xmlns:a="http://schemas.openxmlformats.org/drawingml/2006/main" xmlns:r="http://schemas.openxmlformats.org/officeDocument/2006/relationships" xmlns:p="http://schemas.openxmlformats.org/presentationml/2006/main">
+  <p:cSld>
+    <p:spTree>
+      <p:nvGrpSpPr>
+        <p:cNvPr id="1" name=""/>
+        <p:cNvGrpSpPr/>
+        <p:nvPr/>
+      </p:nvGrpSpPr>
+      <p:grpSpPr>
+        <a:xfrm>
+          <a:off x="0" y="0"/>
+          <a:ext cx="0" cy="0"/>
+          <a:chOff x="0" y="0"/>
+          <a:chExt cx="0" cy="0"/>
+        </a:xfrm>
+      </p:grpSpPr>
+      <p:sp>
+        <p:nvSpPr>
+          <p:cNvPr id="2" name="Bildplatzhalter 1">
+            <a:extLst>
+              <a:ext uri="{FF2B5EF4-FFF2-40B4-BE49-F238E27FC236}">
+                <a16:creationId xmlns:a16="http://schemas.microsoft.com/office/drawing/2014/main" id="{E67D118A-35FE-43FF-ABB1-A654AAA563BF}"/>
+              </a:ext>
+            </a:extLst>
+          </p:cNvPr>
+          <p:cNvSpPr>
+            <a:spLocks noGrp="1"/>
+          </p:cNvSpPr>
+          <p:nvPr>
+            <p:ph type="pic" sz="quarter" idx="16"/>
+          </p:nvPr>
+        </p:nvSpPr>
+        <p:spPr/>
+      </p:sp>
+      <p:sp>
+        <p:nvSpPr>
+          <p:cNvPr id="3" name="Titel 2">
+            <a:extLst>
+              <a:ext uri="{FF2B5EF4-FFF2-40B4-BE49-F238E27FC236}">
+                <a16:creationId xmlns:a16="http://schemas.microsoft.com/office/drawing/2014/main" id="{3982AB2D-7DA9-4D0A-86E4-1C25D7B29DB9}"/>
+              </a:ext>
+            </a:extLst>
+          </p:cNvPr>
+          <p:cNvSpPr>
+            <a:spLocks noGrp="1"/>
+          </p:cNvSpPr>
+          <p:nvPr>
+            <p:ph type="title"/>
+          </p:nvPr>
+        </p:nvSpPr>
+        <p:spPr/>
+        <p:txBody>
+          <a:bodyPr>
+            <a:normAutofit fontScale="90000"/>
+          </a:bodyPr>
+          <a:lstStyle/>
+          <a:p>
+            <a:r>
+              <a:rPr lang="de-DE" dirty="0"/>
+              <a:t>Teilprojekt 3: Darstellung und Analyse der Daten</a:t>
+            </a:r>
+          </a:p>
+        </p:txBody>
+      </p:sp>
+      <p:sp>
+        <p:nvSpPr>
+          <p:cNvPr id="4" name="Untertitel 3">
+            <a:extLst>
+              <a:ext uri="{FF2B5EF4-FFF2-40B4-BE49-F238E27FC236}">
+                <a16:creationId xmlns:a16="http://schemas.microsoft.com/office/drawing/2014/main" id="{A131D032-5FFF-4D37-8F7B-0EB11D31A848}"/>
+              </a:ext>
+            </a:extLst>
+          </p:cNvPr>
+          <p:cNvSpPr>
+            <a:spLocks noGrp="1"/>
+          </p:cNvSpPr>
+          <p:nvPr>
+            <p:ph type="subTitle" idx="1"/>
+          </p:nvPr>
+        </p:nvSpPr>
+        <p:spPr/>
+        <p:txBody>
+          <a:bodyPr/>
+          <a:lstStyle/>
+          <a:p>
+            <a:endParaRPr lang="de-DE" dirty="0"/>
+          </a:p>
+        </p:txBody>
+      </p:sp>
+    </p:spTree>
+    <p:extLst>
+      <p:ext uri="{BB962C8B-B14F-4D97-AF65-F5344CB8AC3E}">
         <p14:creationId xmlns:p14="http://schemas.microsoft.com/office/powerpoint/2010/main" val="3113940225"/>
       </p:ext>
     </p:extLst>
@@ -15651,7 +15912,7 @@
 </p:sld>
 </file>
 
-<file path=ppt/slides/slide16.xml><?xml version="1.0" encoding="utf-8"?>
+<file path=ppt/slides/slide17.xml><?xml version="1.0" encoding="utf-8"?>
 <p:sld xmlns:a="http://schemas.openxmlformats.org/drawingml/2006/main" xmlns:r="http://schemas.openxmlformats.org/officeDocument/2006/relationships" xmlns:p="http://schemas.openxmlformats.org/presentationml/2006/main">
   <p:cSld>
     <p:spTree>
@@ -20519,7 +20780,7 @@
             </a:r>
             <a:r>
               <a:rPr lang="de-DE" dirty="0"/>
-              <a:t>  Child 50 % Test</a:t>
+              <a:t> Child 50 % Test</a:t>
             </a:r>
           </a:p>
           <a:p>
